--- a/Infer_Temp/3_cyl_short/cyl.pptx
+++ b/Infer_Temp/3_cyl_short/cyl.pptx
@@ -261,7 +261,7 @@
           <a:p>
             <a:fld id="{2003143D-70B1-6C4D-94ED-EE15F209B446}" type="datetimeFigureOut">
               <a:rPr lang="en-NO" smtClean="0"/>
-              <a:t>04/10/2022</a:t>
+              <a:t>14/10/2022</a:t>
             </a:fld>
             <a:endParaRPr lang="en-NO"/>
           </a:p>
@@ -461,7 +461,7 @@
           <a:p>
             <a:fld id="{2003143D-70B1-6C4D-94ED-EE15F209B446}" type="datetimeFigureOut">
               <a:rPr lang="en-NO" smtClean="0"/>
-              <a:t>04/10/2022</a:t>
+              <a:t>14/10/2022</a:t>
             </a:fld>
             <a:endParaRPr lang="en-NO"/>
           </a:p>
@@ -671,7 +671,7 @@
           <a:p>
             <a:fld id="{2003143D-70B1-6C4D-94ED-EE15F209B446}" type="datetimeFigureOut">
               <a:rPr lang="en-NO" smtClean="0"/>
-              <a:t>04/10/2022</a:t>
+              <a:t>14/10/2022</a:t>
             </a:fld>
             <a:endParaRPr lang="en-NO"/>
           </a:p>
@@ -871,7 +871,7 @@
           <a:p>
             <a:fld id="{2003143D-70B1-6C4D-94ED-EE15F209B446}" type="datetimeFigureOut">
               <a:rPr lang="en-NO" smtClean="0"/>
-              <a:t>04/10/2022</a:t>
+              <a:t>14/10/2022</a:t>
             </a:fld>
             <a:endParaRPr lang="en-NO"/>
           </a:p>
@@ -1147,7 +1147,7 @@
           <a:p>
             <a:fld id="{2003143D-70B1-6C4D-94ED-EE15F209B446}" type="datetimeFigureOut">
               <a:rPr lang="en-NO" smtClean="0"/>
-              <a:t>04/10/2022</a:t>
+              <a:t>14/10/2022</a:t>
             </a:fld>
             <a:endParaRPr lang="en-NO"/>
           </a:p>
@@ -1415,7 +1415,7 @@
           <a:p>
             <a:fld id="{2003143D-70B1-6C4D-94ED-EE15F209B446}" type="datetimeFigureOut">
               <a:rPr lang="en-NO" smtClean="0"/>
-              <a:t>04/10/2022</a:t>
+              <a:t>14/10/2022</a:t>
             </a:fld>
             <a:endParaRPr lang="en-NO"/>
           </a:p>
@@ -1830,7 +1830,7 @@
           <a:p>
             <a:fld id="{2003143D-70B1-6C4D-94ED-EE15F209B446}" type="datetimeFigureOut">
               <a:rPr lang="en-NO" smtClean="0"/>
-              <a:t>04/10/2022</a:t>
+              <a:t>14/10/2022</a:t>
             </a:fld>
             <a:endParaRPr lang="en-NO"/>
           </a:p>
@@ -1972,7 +1972,7 @@
           <a:p>
             <a:fld id="{2003143D-70B1-6C4D-94ED-EE15F209B446}" type="datetimeFigureOut">
               <a:rPr lang="en-NO" smtClean="0"/>
-              <a:t>04/10/2022</a:t>
+              <a:t>14/10/2022</a:t>
             </a:fld>
             <a:endParaRPr lang="en-NO"/>
           </a:p>
@@ -2085,7 +2085,7 @@
           <a:p>
             <a:fld id="{2003143D-70B1-6C4D-94ED-EE15F209B446}" type="datetimeFigureOut">
               <a:rPr lang="en-NO" smtClean="0"/>
-              <a:t>04/10/2022</a:t>
+              <a:t>14/10/2022</a:t>
             </a:fld>
             <a:endParaRPr lang="en-NO"/>
           </a:p>
@@ -2398,7 +2398,7 @@
           <a:p>
             <a:fld id="{2003143D-70B1-6C4D-94ED-EE15F209B446}" type="datetimeFigureOut">
               <a:rPr lang="en-NO" smtClean="0"/>
-              <a:t>04/10/2022</a:t>
+              <a:t>14/10/2022</a:t>
             </a:fld>
             <a:endParaRPr lang="en-NO"/>
           </a:p>
@@ -2687,7 +2687,7 @@
           <a:p>
             <a:fld id="{2003143D-70B1-6C4D-94ED-EE15F209B446}" type="datetimeFigureOut">
               <a:rPr lang="en-NO" smtClean="0"/>
-              <a:t>04/10/2022</a:t>
+              <a:t>14/10/2022</a:t>
             </a:fld>
             <a:endParaRPr lang="en-NO"/>
           </a:p>
@@ -2930,7 +2930,7 @@
           <a:p>
             <a:fld id="{2003143D-70B1-6C4D-94ED-EE15F209B446}" type="datetimeFigureOut">
               <a:rPr lang="en-NO" smtClean="0"/>
-              <a:t>04/10/2022</a:t>
+              <a:t>14/10/2022</a:t>
             </a:fld>
             <a:endParaRPr lang="en-NO"/>
           </a:p>
@@ -3399,10 +3399,10 @@
       </p:sp>
       <p:grpSp>
         <p:nvGrpSpPr>
-          <p:cNvPr id="21" name="Group 20">
-            <a:extLst>
-              <a:ext uri="{FF2B5EF4-FFF2-40B4-BE49-F238E27FC236}">
-                <a16:creationId xmlns:a16="http://schemas.microsoft.com/office/drawing/2014/main" id="{0A8A7FEC-2512-F7DA-3356-9F1A4C84910E}"/>
+          <p:cNvPr id="28" name="Group 27">
+            <a:extLst>
+              <a:ext uri="{FF2B5EF4-FFF2-40B4-BE49-F238E27FC236}">
+                <a16:creationId xmlns:a16="http://schemas.microsoft.com/office/drawing/2014/main" id="{9CA023CC-5623-6E6B-A46F-CDC4FF650029}"/>
               </a:ext>
             </a:extLst>
           </p:cNvPr>
@@ -3411,108 +3411,129 @@
         </p:nvGrpSpPr>
         <p:grpSpPr>
           <a:xfrm>
-            <a:off x="-15201024" y="-12191999"/>
-            <a:ext cx="14061440" cy="20606090"/>
-            <a:chOff x="-15201024" y="-12191999"/>
-            <a:chExt cx="14061440" cy="20606090"/>
+            <a:off x="18078116" y="-9688846"/>
+            <a:ext cx="14061440" cy="20574000"/>
+            <a:chOff x="18078116" y="-9688846"/>
+            <a:chExt cx="14061440" cy="20574000"/>
           </a:xfrm>
         </p:grpSpPr>
-        <p:pic>
-          <p:nvPicPr>
-            <p:cNvPr id="5" name="Picture 4">
+        <p:grpSp>
+          <p:nvGrpSpPr>
+            <p:cNvPr id="27" name="Group 26">
               <a:extLst>
                 <a:ext uri="{FF2B5EF4-FFF2-40B4-BE49-F238E27FC236}">
-                  <a16:creationId xmlns:a16="http://schemas.microsoft.com/office/drawing/2014/main" id="{C7ED3124-1BCB-1182-9D7D-8A7E3419F982}"/>
+                  <a16:creationId xmlns:a16="http://schemas.microsoft.com/office/drawing/2014/main" id="{804A671A-AB8C-2C46-5A3F-6225C77948A8}"/>
                 </a:ext>
               </a:extLst>
             </p:cNvPr>
-            <p:cNvPicPr>
-              <a:picLocks noChangeAspect="1"/>
-            </p:cNvPicPr>
+            <p:cNvGrpSpPr/>
             <p:nvPr/>
-          </p:nvPicPr>
-          <p:blipFill>
-            <a:blip r:embed="rId2"/>
-            <a:stretch>
-              <a:fillRect/>
-            </a:stretch>
-          </p:blipFill>
-          <p:spPr>
+          </p:nvGrpSpPr>
+          <p:grpSpPr>
             <a:xfrm>
-              <a:off x="-15201024" y="-12191999"/>
-              <a:ext cx="7254240" cy="6858000"/>
+              <a:off x="25332356" y="-9688846"/>
+              <a:ext cx="6807200" cy="20574000"/>
+              <a:chOff x="25332356" y="-9688846"/>
+              <a:chExt cx="6807200" cy="20574000"/>
             </a:xfrm>
-            <a:prstGeom prst="rect">
-              <a:avLst/>
-            </a:prstGeom>
-          </p:spPr>
-        </p:pic>
+          </p:grpSpPr>
+          <p:pic>
+            <p:nvPicPr>
+              <p:cNvPr id="22" name="Picture 21">
+                <a:extLst>
+                  <a:ext uri="{FF2B5EF4-FFF2-40B4-BE49-F238E27FC236}">
+                    <a16:creationId xmlns:a16="http://schemas.microsoft.com/office/drawing/2014/main" id="{35265984-DD60-69C6-D382-4C41C370ECA8}"/>
+                  </a:ext>
+                </a:extLst>
+              </p:cNvPr>
+              <p:cNvPicPr>
+                <a:picLocks noChangeAspect="1"/>
+              </p:cNvPicPr>
+              <p:nvPr/>
+            </p:nvPicPr>
+            <p:blipFill>
+              <a:blip r:embed="rId2"/>
+              <a:stretch>
+                <a:fillRect/>
+              </a:stretch>
+            </p:blipFill>
+            <p:spPr>
+              <a:xfrm>
+                <a:off x="25332356" y="-9688846"/>
+                <a:ext cx="6807200" cy="6858000"/>
+              </a:xfrm>
+              <a:prstGeom prst="rect">
+                <a:avLst/>
+              </a:prstGeom>
+            </p:spPr>
+          </p:pic>
+          <p:pic>
+            <p:nvPicPr>
+              <p:cNvPr id="24" name="Picture 23">
+                <a:extLst>
+                  <a:ext uri="{FF2B5EF4-FFF2-40B4-BE49-F238E27FC236}">
+                    <a16:creationId xmlns:a16="http://schemas.microsoft.com/office/drawing/2014/main" id="{4B2C6970-78D1-97A9-6FC1-F6ACAA4A3E3C}"/>
+                  </a:ext>
+                </a:extLst>
+              </p:cNvPr>
+              <p:cNvPicPr>
+                <a:picLocks noChangeAspect="1"/>
+              </p:cNvPicPr>
+              <p:nvPr/>
+            </p:nvPicPr>
+            <p:blipFill>
+              <a:blip r:embed="rId3"/>
+              <a:stretch>
+                <a:fillRect/>
+              </a:stretch>
+            </p:blipFill>
+            <p:spPr>
+              <a:xfrm>
+                <a:off x="25332356" y="-2830846"/>
+                <a:ext cx="6807200" cy="6858000"/>
+              </a:xfrm>
+              <a:prstGeom prst="rect">
+                <a:avLst/>
+              </a:prstGeom>
+            </p:spPr>
+          </p:pic>
+          <p:pic>
+            <p:nvPicPr>
+              <p:cNvPr id="26" name="Picture 25">
+                <a:extLst>
+                  <a:ext uri="{FF2B5EF4-FFF2-40B4-BE49-F238E27FC236}">
+                    <a16:creationId xmlns:a16="http://schemas.microsoft.com/office/drawing/2014/main" id="{720C4DED-9837-3EE7-F95A-58CFB920FAC0}"/>
+                  </a:ext>
+                </a:extLst>
+              </p:cNvPr>
+              <p:cNvPicPr>
+                <a:picLocks noChangeAspect="1"/>
+              </p:cNvPicPr>
+              <p:nvPr/>
+            </p:nvPicPr>
+            <p:blipFill>
+              <a:blip r:embed="rId4"/>
+              <a:stretch>
+                <a:fillRect/>
+              </a:stretch>
+            </p:blipFill>
+            <p:spPr>
+              <a:xfrm>
+                <a:off x="25332356" y="4027154"/>
+                <a:ext cx="6807200" cy="6858000"/>
+              </a:xfrm>
+              <a:prstGeom prst="rect">
+                <a:avLst/>
+              </a:prstGeom>
+            </p:spPr>
+          </p:pic>
+        </p:grpSp>
         <p:pic>
           <p:nvPicPr>
-            <p:cNvPr id="7" name="Picture 6">
+            <p:cNvPr id="13" name="Picture 12">
               <a:extLst>
                 <a:ext uri="{FF2B5EF4-FFF2-40B4-BE49-F238E27FC236}">
-                  <a16:creationId xmlns:a16="http://schemas.microsoft.com/office/drawing/2014/main" id="{855EF721-3996-F264-DF89-B4CA7D7C5E00}"/>
-                </a:ext>
-              </a:extLst>
-            </p:cNvPr>
-            <p:cNvPicPr>
-              <a:picLocks noChangeAspect="1"/>
-            </p:cNvPicPr>
-            <p:nvPr/>
-          </p:nvPicPr>
-          <p:blipFill>
-            <a:blip r:embed="rId3"/>
-            <a:stretch>
-              <a:fillRect/>
-            </a:stretch>
-          </p:blipFill>
-          <p:spPr>
-            <a:xfrm>
-              <a:off x="-15201024" y="-5333999"/>
-              <a:ext cx="7254240" cy="6858000"/>
-            </a:xfrm>
-            <a:prstGeom prst="rect">
-              <a:avLst/>
-            </a:prstGeom>
-          </p:spPr>
-        </p:pic>
-        <p:pic>
-          <p:nvPicPr>
-            <p:cNvPr id="11" name="Picture 10">
-              <a:extLst>
-                <a:ext uri="{FF2B5EF4-FFF2-40B4-BE49-F238E27FC236}">
-                  <a16:creationId xmlns:a16="http://schemas.microsoft.com/office/drawing/2014/main" id="{4C216545-0EB6-FF69-FCB4-7BA39D878B3F}"/>
-                </a:ext>
-              </a:extLst>
-            </p:cNvPr>
-            <p:cNvPicPr>
-              <a:picLocks noChangeAspect="1"/>
-            </p:cNvPicPr>
-            <p:nvPr/>
-          </p:nvPicPr>
-          <p:blipFill>
-            <a:blip r:embed="rId4"/>
-            <a:stretch>
-              <a:fillRect/>
-            </a:stretch>
-          </p:blipFill>
-          <p:spPr>
-            <a:xfrm>
-              <a:off x="-7946784" y="-12191999"/>
-              <a:ext cx="6807200" cy="6858000"/>
-            </a:xfrm>
-            <a:prstGeom prst="rect">
-              <a:avLst/>
-            </a:prstGeom>
-          </p:spPr>
-        </p:pic>
-        <p:pic>
-          <p:nvPicPr>
-            <p:cNvPr id="14" name="Picture 13">
-              <a:extLst>
-                <a:ext uri="{FF2B5EF4-FFF2-40B4-BE49-F238E27FC236}">
-                  <a16:creationId xmlns:a16="http://schemas.microsoft.com/office/drawing/2014/main" id="{4AF943C3-9230-B69C-6EB6-85B65E32B3CB}"/>
+                  <a16:creationId xmlns:a16="http://schemas.microsoft.com/office/drawing/2014/main" id="{BC551481-ECBD-61DA-E41C-9EB7776E194F}"/>
                 </a:ext>
               </a:extLst>
             </p:cNvPr>
@@ -3529,8 +3550,8 @@
           </p:blipFill>
           <p:spPr>
             <a:xfrm>
-              <a:off x="-7946784" y="-5301909"/>
-              <a:ext cx="6807200" cy="6858000"/>
+              <a:off x="18078116" y="-9688846"/>
+              <a:ext cx="7254240" cy="6858000"/>
             </a:xfrm>
             <a:prstGeom prst="rect">
               <a:avLst/>
@@ -3539,10 +3560,10 @@
         </p:pic>
         <p:pic>
           <p:nvPicPr>
-            <p:cNvPr id="18" name="Picture 17">
+            <p:cNvPr id="19" name="Picture 18">
               <a:extLst>
                 <a:ext uri="{FF2B5EF4-FFF2-40B4-BE49-F238E27FC236}">
-                  <a16:creationId xmlns:a16="http://schemas.microsoft.com/office/drawing/2014/main" id="{C9E77114-0769-263E-1322-043784EB6EEA}"/>
+                  <a16:creationId xmlns:a16="http://schemas.microsoft.com/office/drawing/2014/main" id="{9B3E2DCE-FD96-8388-7A2A-45BDF8E1E39D}"/>
                 </a:ext>
               </a:extLst>
             </p:cNvPr>
@@ -3559,8 +3580,8 @@
           </p:blipFill>
           <p:spPr>
             <a:xfrm>
-              <a:off x="-7946784" y="1556091"/>
-              <a:ext cx="6807200" cy="6858000"/>
+              <a:off x="18078116" y="-2830846"/>
+              <a:ext cx="7254240" cy="6858000"/>
             </a:xfrm>
             <a:prstGeom prst="rect">
               <a:avLst/>
@@ -3569,10 +3590,10 @@
         </p:pic>
         <p:pic>
           <p:nvPicPr>
-            <p:cNvPr id="20" name="Picture 19">
+            <p:cNvPr id="25" name="Picture 24">
               <a:extLst>
                 <a:ext uri="{FF2B5EF4-FFF2-40B4-BE49-F238E27FC236}">
-                  <a16:creationId xmlns:a16="http://schemas.microsoft.com/office/drawing/2014/main" id="{20C4372E-B123-B482-88B7-39D88FA9296E}"/>
+                  <a16:creationId xmlns:a16="http://schemas.microsoft.com/office/drawing/2014/main" id="{B1286F8D-D444-8D0D-F0C4-3A1B6C1A5D9B}"/>
                 </a:ext>
               </a:extLst>
             </p:cNvPr>
@@ -3589,7 +3610,7 @@
           </p:blipFill>
           <p:spPr>
             <a:xfrm>
-              <a:off x="-15201024" y="1524001"/>
+              <a:off x="18078116" y="4027154"/>
               <a:ext cx="7254240" cy="6858000"/>
             </a:xfrm>
             <a:prstGeom prst="rect">

--- a/Infer_Temp/3_cyl_short/cyl.pptx
+++ b/Infer_Temp/3_cyl_short/cyl.pptx
@@ -261,7 +261,7 @@
           <a:p>
             <a:fld id="{2003143D-70B1-6C4D-94ED-EE15F209B446}" type="datetimeFigureOut">
               <a:rPr lang="en-NO" smtClean="0"/>
-              <a:t>14/10/2022</a:t>
+              <a:t>30/01/2023</a:t>
             </a:fld>
             <a:endParaRPr lang="en-NO"/>
           </a:p>
@@ -461,7 +461,7 @@
           <a:p>
             <a:fld id="{2003143D-70B1-6C4D-94ED-EE15F209B446}" type="datetimeFigureOut">
               <a:rPr lang="en-NO" smtClean="0"/>
-              <a:t>14/10/2022</a:t>
+              <a:t>30/01/2023</a:t>
             </a:fld>
             <a:endParaRPr lang="en-NO"/>
           </a:p>
@@ -671,7 +671,7 @@
           <a:p>
             <a:fld id="{2003143D-70B1-6C4D-94ED-EE15F209B446}" type="datetimeFigureOut">
               <a:rPr lang="en-NO" smtClean="0"/>
-              <a:t>14/10/2022</a:t>
+              <a:t>30/01/2023</a:t>
             </a:fld>
             <a:endParaRPr lang="en-NO"/>
           </a:p>
@@ -871,7 +871,7 @@
           <a:p>
             <a:fld id="{2003143D-70B1-6C4D-94ED-EE15F209B446}" type="datetimeFigureOut">
               <a:rPr lang="en-NO" smtClean="0"/>
-              <a:t>14/10/2022</a:t>
+              <a:t>30/01/2023</a:t>
             </a:fld>
             <a:endParaRPr lang="en-NO"/>
           </a:p>
@@ -1147,7 +1147,7 @@
           <a:p>
             <a:fld id="{2003143D-70B1-6C4D-94ED-EE15F209B446}" type="datetimeFigureOut">
               <a:rPr lang="en-NO" smtClean="0"/>
-              <a:t>14/10/2022</a:t>
+              <a:t>30/01/2023</a:t>
             </a:fld>
             <a:endParaRPr lang="en-NO"/>
           </a:p>
@@ -1415,7 +1415,7 @@
           <a:p>
             <a:fld id="{2003143D-70B1-6C4D-94ED-EE15F209B446}" type="datetimeFigureOut">
               <a:rPr lang="en-NO" smtClean="0"/>
-              <a:t>14/10/2022</a:t>
+              <a:t>30/01/2023</a:t>
             </a:fld>
             <a:endParaRPr lang="en-NO"/>
           </a:p>
@@ -1830,7 +1830,7 @@
           <a:p>
             <a:fld id="{2003143D-70B1-6C4D-94ED-EE15F209B446}" type="datetimeFigureOut">
               <a:rPr lang="en-NO" smtClean="0"/>
-              <a:t>14/10/2022</a:t>
+              <a:t>30/01/2023</a:t>
             </a:fld>
             <a:endParaRPr lang="en-NO"/>
           </a:p>
@@ -1972,7 +1972,7 @@
           <a:p>
             <a:fld id="{2003143D-70B1-6C4D-94ED-EE15F209B446}" type="datetimeFigureOut">
               <a:rPr lang="en-NO" smtClean="0"/>
-              <a:t>14/10/2022</a:t>
+              <a:t>30/01/2023</a:t>
             </a:fld>
             <a:endParaRPr lang="en-NO"/>
           </a:p>
@@ -2085,7 +2085,7 @@
           <a:p>
             <a:fld id="{2003143D-70B1-6C4D-94ED-EE15F209B446}" type="datetimeFigureOut">
               <a:rPr lang="en-NO" smtClean="0"/>
-              <a:t>14/10/2022</a:t>
+              <a:t>30/01/2023</a:t>
             </a:fld>
             <a:endParaRPr lang="en-NO"/>
           </a:p>
@@ -2398,7 +2398,7 @@
           <a:p>
             <a:fld id="{2003143D-70B1-6C4D-94ED-EE15F209B446}" type="datetimeFigureOut">
               <a:rPr lang="en-NO" smtClean="0"/>
-              <a:t>14/10/2022</a:t>
+              <a:t>30/01/2023</a:t>
             </a:fld>
             <a:endParaRPr lang="en-NO"/>
           </a:p>
@@ -2687,7 +2687,7 @@
           <a:p>
             <a:fld id="{2003143D-70B1-6C4D-94ED-EE15F209B446}" type="datetimeFigureOut">
               <a:rPr lang="en-NO" smtClean="0"/>
-              <a:t>14/10/2022</a:t>
+              <a:t>30/01/2023</a:t>
             </a:fld>
             <a:endParaRPr lang="en-NO"/>
           </a:p>
@@ -2930,7 +2930,7 @@
           <a:p>
             <a:fld id="{2003143D-70B1-6C4D-94ED-EE15F209B446}" type="datetimeFigureOut">
               <a:rPr lang="en-NO" smtClean="0"/>
-              <a:t>14/10/2022</a:t>
+              <a:t>30/01/2023</a:t>
             </a:fld>
             <a:endParaRPr lang="en-NO"/>
           </a:p>
@@ -3399,10 +3399,10 @@
       </p:sp>
       <p:grpSp>
         <p:nvGrpSpPr>
-          <p:cNvPr id="28" name="Group 27">
-            <a:extLst>
-              <a:ext uri="{FF2B5EF4-FFF2-40B4-BE49-F238E27FC236}">
-                <a16:creationId xmlns:a16="http://schemas.microsoft.com/office/drawing/2014/main" id="{9CA023CC-5623-6E6B-A46F-CDC4FF650029}"/>
+          <p:cNvPr id="11" name="Group 10">
+            <a:extLst>
+              <a:ext uri="{FF2B5EF4-FFF2-40B4-BE49-F238E27FC236}">
+                <a16:creationId xmlns:a16="http://schemas.microsoft.com/office/drawing/2014/main" id="{217EE73E-9F0A-115D-10AE-C4083F747340}"/>
               </a:ext>
             </a:extLst>
           </p:cNvPr>
@@ -3419,10 +3419,10 @@
         </p:grpSpPr>
         <p:grpSp>
           <p:nvGrpSpPr>
-            <p:cNvPr id="27" name="Group 26">
+            <p:cNvPr id="28" name="Group 27">
               <a:extLst>
                 <a:ext uri="{FF2B5EF4-FFF2-40B4-BE49-F238E27FC236}">
-                  <a16:creationId xmlns:a16="http://schemas.microsoft.com/office/drawing/2014/main" id="{804A671A-AB8C-2C46-5A3F-6225C77948A8}"/>
+                  <a16:creationId xmlns:a16="http://schemas.microsoft.com/office/drawing/2014/main" id="{9CA023CC-5623-6E6B-A46F-CDC4FF650029}"/>
                 </a:ext>
               </a:extLst>
             </p:cNvPr>
@@ -3431,18 +3431,129 @@
           </p:nvGrpSpPr>
           <p:grpSpPr>
             <a:xfrm>
-              <a:off x="25332356" y="-9688846"/>
-              <a:ext cx="6807200" cy="20574000"/>
-              <a:chOff x="25332356" y="-9688846"/>
-              <a:chExt cx="6807200" cy="20574000"/>
+              <a:off x="18078116" y="-9688846"/>
+              <a:ext cx="14061440" cy="20574000"/>
+              <a:chOff x="18078116" y="-9688846"/>
+              <a:chExt cx="14061440" cy="20574000"/>
             </a:xfrm>
           </p:grpSpPr>
+          <p:grpSp>
+            <p:nvGrpSpPr>
+              <p:cNvPr id="27" name="Group 26">
+                <a:extLst>
+                  <a:ext uri="{FF2B5EF4-FFF2-40B4-BE49-F238E27FC236}">
+                    <a16:creationId xmlns:a16="http://schemas.microsoft.com/office/drawing/2014/main" id="{804A671A-AB8C-2C46-5A3F-6225C77948A8}"/>
+                  </a:ext>
+                </a:extLst>
+              </p:cNvPr>
+              <p:cNvGrpSpPr/>
+              <p:nvPr/>
+            </p:nvGrpSpPr>
+            <p:grpSpPr>
+              <a:xfrm>
+                <a:off x="25332356" y="-9688846"/>
+                <a:ext cx="6807200" cy="20574000"/>
+                <a:chOff x="25332356" y="-9688846"/>
+                <a:chExt cx="6807200" cy="20574000"/>
+              </a:xfrm>
+            </p:grpSpPr>
+            <p:pic>
+              <p:nvPicPr>
+                <p:cNvPr id="22" name="Picture 21">
+                  <a:extLst>
+                    <a:ext uri="{FF2B5EF4-FFF2-40B4-BE49-F238E27FC236}">
+                      <a16:creationId xmlns:a16="http://schemas.microsoft.com/office/drawing/2014/main" id="{35265984-DD60-69C6-D382-4C41C370ECA8}"/>
+                    </a:ext>
+                  </a:extLst>
+                </p:cNvPr>
+                <p:cNvPicPr>
+                  <a:picLocks noChangeAspect="1"/>
+                </p:cNvPicPr>
+                <p:nvPr/>
+              </p:nvPicPr>
+              <p:blipFill>
+                <a:blip r:embed="rId2"/>
+                <a:stretch>
+                  <a:fillRect/>
+                </a:stretch>
+              </p:blipFill>
+              <p:spPr>
+                <a:xfrm>
+                  <a:off x="25332356" y="-9688846"/>
+                  <a:ext cx="6807200" cy="6858000"/>
+                </a:xfrm>
+                <a:prstGeom prst="rect">
+                  <a:avLst/>
+                </a:prstGeom>
+              </p:spPr>
+            </p:pic>
+            <p:pic>
+              <p:nvPicPr>
+                <p:cNvPr id="24" name="Picture 23">
+                  <a:extLst>
+                    <a:ext uri="{FF2B5EF4-FFF2-40B4-BE49-F238E27FC236}">
+                      <a16:creationId xmlns:a16="http://schemas.microsoft.com/office/drawing/2014/main" id="{4B2C6970-78D1-97A9-6FC1-F6ACAA4A3E3C}"/>
+                    </a:ext>
+                  </a:extLst>
+                </p:cNvPr>
+                <p:cNvPicPr>
+                  <a:picLocks noChangeAspect="1"/>
+                </p:cNvPicPr>
+                <p:nvPr/>
+              </p:nvPicPr>
+              <p:blipFill>
+                <a:blip r:embed="rId3"/>
+                <a:stretch>
+                  <a:fillRect/>
+                </a:stretch>
+              </p:blipFill>
+              <p:spPr>
+                <a:xfrm>
+                  <a:off x="25332356" y="-2830846"/>
+                  <a:ext cx="6807200" cy="6858000"/>
+                </a:xfrm>
+                <a:prstGeom prst="rect">
+                  <a:avLst/>
+                </a:prstGeom>
+              </p:spPr>
+            </p:pic>
+            <p:pic>
+              <p:nvPicPr>
+                <p:cNvPr id="26" name="Picture 25">
+                  <a:extLst>
+                    <a:ext uri="{FF2B5EF4-FFF2-40B4-BE49-F238E27FC236}">
+                      <a16:creationId xmlns:a16="http://schemas.microsoft.com/office/drawing/2014/main" id="{720C4DED-9837-3EE7-F95A-58CFB920FAC0}"/>
+                    </a:ext>
+                  </a:extLst>
+                </p:cNvPr>
+                <p:cNvPicPr>
+                  <a:picLocks noChangeAspect="1"/>
+                </p:cNvPicPr>
+                <p:nvPr/>
+              </p:nvPicPr>
+              <p:blipFill>
+                <a:blip r:embed="rId4"/>
+                <a:stretch>
+                  <a:fillRect/>
+                </a:stretch>
+              </p:blipFill>
+              <p:spPr>
+                <a:xfrm>
+                  <a:off x="25332356" y="4027154"/>
+                  <a:ext cx="6807200" cy="6858000"/>
+                </a:xfrm>
+                <a:prstGeom prst="rect">
+                  <a:avLst/>
+                </a:prstGeom>
+              </p:spPr>
+            </p:pic>
+          </p:grpSp>
           <p:pic>
             <p:nvPicPr>
-              <p:cNvPr id="22" name="Picture 21">
+              <p:cNvPr id="25" name="Picture 24">
                 <a:extLst>
                   <a:ext uri="{FF2B5EF4-FFF2-40B4-BE49-F238E27FC236}">
-                    <a16:creationId xmlns:a16="http://schemas.microsoft.com/office/drawing/2014/main" id="{35265984-DD60-69C6-D382-4C41C370ECA8}"/>
+                    <a16:creationId xmlns:a16="http://schemas.microsoft.com/office/drawing/2014/main" id="{B1286F8D-D444-8D0D-F0C4-3A1B6C1A5D9B}"/>
                   </a:ext>
                 </a:extLst>
               </p:cNvPr>
@@ -3452,75 +3563,15 @@
               <p:nvPr/>
             </p:nvPicPr>
             <p:blipFill>
-              <a:blip r:embed="rId2"/>
+              <a:blip r:embed="rId5"/>
               <a:stretch>
                 <a:fillRect/>
               </a:stretch>
             </p:blipFill>
             <p:spPr>
               <a:xfrm>
-                <a:off x="25332356" y="-9688846"/>
-                <a:ext cx="6807200" cy="6858000"/>
-              </a:xfrm>
-              <a:prstGeom prst="rect">
-                <a:avLst/>
-              </a:prstGeom>
-            </p:spPr>
-          </p:pic>
-          <p:pic>
-            <p:nvPicPr>
-              <p:cNvPr id="24" name="Picture 23">
-                <a:extLst>
-                  <a:ext uri="{FF2B5EF4-FFF2-40B4-BE49-F238E27FC236}">
-                    <a16:creationId xmlns:a16="http://schemas.microsoft.com/office/drawing/2014/main" id="{4B2C6970-78D1-97A9-6FC1-F6ACAA4A3E3C}"/>
-                  </a:ext>
-                </a:extLst>
-              </p:cNvPr>
-              <p:cNvPicPr>
-                <a:picLocks noChangeAspect="1"/>
-              </p:cNvPicPr>
-              <p:nvPr/>
-            </p:nvPicPr>
-            <p:blipFill>
-              <a:blip r:embed="rId3"/>
-              <a:stretch>
-                <a:fillRect/>
-              </a:stretch>
-            </p:blipFill>
-            <p:spPr>
-              <a:xfrm>
-                <a:off x="25332356" y="-2830846"/>
-                <a:ext cx="6807200" cy="6858000"/>
-              </a:xfrm>
-              <a:prstGeom prst="rect">
-                <a:avLst/>
-              </a:prstGeom>
-            </p:spPr>
-          </p:pic>
-          <p:pic>
-            <p:nvPicPr>
-              <p:cNvPr id="26" name="Picture 25">
-                <a:extLst>
-                  <a:ext uri="{FF2B5EF4-FFF2-40B4-BE49-F238E27FC236}">
-                    <a16:creationId xmlns:a16="http://schemas.microsoft.com/office/drawing/2014/main" id="{720C4DED-9837-3EE7-F95A-58CFB920FAC0}"/>
-                  </a:ext>
-                </a:extLst>
-              </p:cNvPr>
-              <p:cNvPicPr>
-                <a:picLocks noChangeAspect="1"/>
-              </p:cNvPicPr>
-              <p:nvPr/>
-            </p:nvPicPr>
-            <p:blipFill>
-              <a:blip r:embed="rId4"/>
-              <a:stretch>
-                <a:fillRect/>
-              </a:stretch>
-            </p:blipFill>
-            <p:spPr>
-              <a:xfrm>
-                <a:off x="25332356" y="4027154"/>
-                <a:ext cx="6807200" cy="6858000"/>
+                <a:off x="18078116" y="4027154"/>
+                <a:ext cx="7254240" cy="6858000"/>
               </a:xfrm>
               <a:prstGeom prst="rect">
                 <a:avLst/>
@@ -3530,10 +3581,10 @@
         </p:grpSp>
         <p:pic>
           <p:nvPicPr>
-            <p:cNvPr id="13" name="Picture 12">
+            <p:cNvPr id="8" name="Picture 7">
               <a:extLst>
                 <a:ext uri="{FF2B5EF4-FFF2-40B4-BE49-F238E27FC236}">
-                  <a16:creationId xmlns:a16="http://schemas.microsoft.com/office/drawing/2014/main" id="{BC551481-ECBD-61DA-E41C-9EB7776E194F}"/>
+                  <a16:creationId xmlns:a16="http://schemas.microsoft.com/office/drawing/2014/main" id="{B90D4DF1-396C-3210-85AD-BFB2B9A7A9C5}"/>
                 </a:ext>
               </a:extLst>
             </p:cNvPr>
@@ -3543,7 +3594,7 @@
             <p:nvPr/>
           </p:nvPicPr>
           <p:blipFill>
-            <a:blip r:embed="rId5"/>
+            <a:blip r:embed="rId6"/>
             <a:stretch>
               <a:fillRect/>
             </a:stretch>
@@ -3560,40 +3611,10 @@
         </p:pic>
         <p:pic>
           <p:nvPicPr>
-            <p:cNvPr id="19" name="Picture 18">
+            <p:cNvPr id="10" name="Picture 9">
               <a:extLst>
                 <a:ext uri="{FF2B5EF4-FFF2-40B4-BE49-F238E27FC236}">
-                  <a16:creationId xmlns:a16="http://schemas.microsoft.com/office/drawing/2014/main" id="{9B3E2DCE-FD96-8388-7A2A-45BDF8E1E39D}"/>
-                </a:ext>
-              </a:extLst>
-            </p:cNvPr>
-            <p:cNvPicPr>
-              <a:picLocks noChangeAspect="1"/>
-            </p:cNvPicPr>
-            <p:nvPr/>
-          </p:nvPicPr>
-          <p:blipFill>
-            <a:blip r:embed="rId6"/>
-            <a:stretch>
-              <a:fillRect/>
-            </a:stretch>
-          </p:blipFill>
-          <p:spPr>
-            <a:xfrm>
-              <a:off x="18078116" y="-2830846"/>
-              <a:ext cx="7254240" cy="6858000"/>
-            </a:xfrm>
-            <a:prstGeom prst="rect">
-              <a:avLst/>
-            </a:prstGeom>
-          </p:spPr>
-        </p:pic>
-        <p:pic>
-          <p:nvPicPr>
-            <p:cNvPr id="25" name="Picture 24">
-              <a:extLst>
-                <a:ext uri="{FF2B5EF4-FFF2-40B4-BE49-F238E27FC236}">
-                  <a16:creationId xmlns:a16="http://schemas.microsoft.com/office/drawing/2014/main" id="{B1286F8D-D444-8D0D-F0C4-3A1B6C1A5D9B}"/>
+                  <a16:creationId xmlns:a16="http://schemas.microsoft.com/office/drawing/2014/main" id="{E65EAF2C-7683-11D6-E2B0-855FEB22947A}"/>
                 </a:ext>
               </a:extLst>
             </p:cNvPr>
@@ -3610,7 +3631,7 @@
           </p:blipFill>
           <p:spPr>
             <a:xfrm>
-              <a:off x="18078116" y="4027154"/>
+              <a:off x="18078116" y="-2830846"/>
               <a:ext cx="7254240" cy="6858000"/>
             </a:xfrm>
             <a:prstGeom prst="rect">
